--- a/Opaque.pptx
+++ b/Opaque.pptx
@@ -891,7 +891,7 @@
           <a:p>
             <a:fld id="{1D8BD707-D9CF-40AE-B4C6-C98DA3205C09}" type="datetimeFigureOut">
               <a:rPr lang="en-US" smtClean="0"/>
-              <a:t>11/14/2018</a:t>
+              <a:t>11/15/2018</a:t>
             </a:fld>
             <a:endParaRPr lang="en-US"/>
           </a:p>
@@ -1142,7 +1142,7 @@
           <a:p>
             <a:fld id="{1D8BD707-D9CF-40AE-B4C6-C98DA3205C09}" type="datetimeFigureOut">
               <a:rPr lang="en-US" smtClean="0"/>
-              <a:t>11/14/2018</a:t>
+              <a:t>11/15/2018</a:t>
             </a:fld>
             <a:endParaRPr lang="en-US"/>
           </a:p>
@@ -1456,7 +1456,7 @@
           <a:p>
             <a:fld id="{1D8BD707-D9CF-40AE-B4C6-C98DA3205C09}" type="datetimeFigureOut">
               <a:rPr lang="en-US" smtClean="0"/>
-              <a:t>11/14/2018</a:t>
+              <a:t>11/15/2018</a:t>
             </a:fld>
             <a:endParaRPr lang="en-US"/>
           </a:p>
@@ -1797,7 +1797,7 @@
           <a:p>
             <a:fld id="{1D8BD707-D9CF-40AE-B4C6-C98DA3205C09}" type="datetimeFigureOut">
               <a:rPr lang="en-US" smtClean="0"/>
-              <a:t>11/14/2018</a:t>
+              <a:t>11/15/2018</a:t>
             </a:fld>
             <a:endParaRPr lang="en-US"/>
           </a:p>
@@ -2111,7 +2111,7 @@
           <a:p>
             <a:fld id="{1D8BD707-D9CF-40AE-B4C6-C98DA3205C09}" type="datetimeFigureOut">
               <a:rPr lang="en-US" smtClean="0"/>
-              <a:t>11/14/2018</a:t>
+              <a:t>11/15/2018</a:t>
             </a:fld>
             <a:endParaRPr lang="en-US"/>
           </a:p>
@@ -2504,7 +2504,7 @@
           <a:p>
             <a:fld id="{1D8BD707-D9CF-40AE-B4C6-C98DA3205C09}" type="datetimeFigureOut">
               <a:rPr lang="en-US" smtClean="0"/>
-              <a:t>11/14/2018</a:t>
+              <a:t>11/15/2018</a:t>
             </a:fld>
             <a:endParaRPr lang="en-US"/>
           </a:p>
@@ -2674,7 +2674,7 @@
           <a:p>
             <a:fld id="{1D8BD707-D9CF-40AE-B4C6-C98DA3205C09}" type="datetimeFigureOut">
               <a:rPr lang="en-US" smtClean="0"/>
-              <a:t>11/14/2018</a:t>
+              <a:t>11/15/2018</a:t>
             </a:fld>
             <a:endParaRPr lang="en-US"/>
           </a:p>
@@ -2854,7 +2854,7 @@
           <a:p>
             <a:fld id="{1D8BD707-D9CF-40AE-B4C6-C98DA3205C09}" type="datetimeFigureOut">
               <a:rPr lang="en-US" smtClean="0"/>
-              <a:t>11/14/2018</a:t>
+              <a:t>11/15/2018</a:t>
             </a:fld>
             <a:endParaRPr lang="en-US"/>
           </a:p>
@@ -3030,7 +3030,7 @@
           <a:p>
             <a:fld id="{1D8BD707-D9CF-40AE-B4C6-C98DA3205C09}" type="datetimeFigureOut">
               <a:rPr lang="en-US" smtClean="0"/>
-              <a:t>11/14/2018</a:t>
+              <a:t>11/15/2018</a:t>
             </a:fld>
             <a:endParaRPr lang="en-US"/>
           </a:p>
@@ -3277,7 +3277,7 @@
           <a:p>
             <a:fld id="{1D8BD707-D9CF-40AE-B4C6-C98DA3205C09}" type="datetimeFigureOut">
               <a:rPr lang="en-US" smtClean="0"/>
-              <a:t>11/14/2018</a:t>
+              <a:t>11/15/2018</a:t>
             </a:fld>
             <a:endParaRPr lang="en-US"/>
           </a:p>
@@ -3509,7 +3509,7 @@
           <a:p>
             <a:fld id="{1D8BD707-D9CF-40AE-B4C6-C98DA3205C09}" type="datetimeFigureOut">
               <a:rPr lang="en-US" smtClean="0"/>
-              <a:t>11/14/2018</a:t>
+              <a:t>11/15/2018</a:t>
             </a:fld>
             <a:endParaRPr lang="en-US"/>
           </a:p>
@@ -3883,7 +3883,7 @@
           <a:p>
             <a:fld id="{1D8BD707-D9CF-40AE-B4C6-C98DA3205C09}" type="datetimeFigureOut">
               <a:rPr lang="en-US" smtClean="0"/>
-              <a:t>11/14/2018</a:t>
+              <a:t>11/15/2018</a:t>
             </a:fld>
             <a:endParaRPr lang="en-US"/>
           </a:p>
@@ -4006,7 +4006,7 @@
           <a:p>
             <a:fld id="{1D8BD707-D9CF-40AE-B4C6-C98DA3205C09}" type="datetimeFigureOut">
               <a:rPr lang="en-US" smtClean="0"/>
-              <a:t>11/14/2018</a:t>
+              <a:t>11/15/2018</a:t>
             </a:fld>
             <a:endParaRPr lang="en-US"/>
           </a:p>
@@ -4101,7 +4101,7 @@
           <a:p>
             <a:fld id="{1D8BD707-D9CF-40AE-B4C6-C98DA3205C09}" type="datetimeFigureOut">
               <a:rPr lang="en-US" smtClean="0"/>
-              <a:t>11/14/2018</a:t>
+              <a:t>11/15/2018</a:t>
             </a:fld>
             <a:endParaRPr lang="en-US"/>
           </a:p>
@@ -4356,7 +4356,7 @@
           <a:p>
             <a:fld id="{1D8BD707-D9CF-40AE-B4C6-C98DA3205C09}" type="datetimeFigureOut">
               <a:rPr lang="en-US" smtClean="0"/>
-              <a:t>11/14/2018</a:t>
+              <a:t>11/15/2018</a:t>
             </a:fld>
             <a:endParaRPr lang="en-US"/>
           </a:p>
@@ -4619,7 +4619,7 @@
           <a:p>
             <a:fld id="{1D8BD707-D9CF-40AE-B4C6-C98DA3205C09}" type="datetimeFigureOut">
               <a:rPr lang="en-US" smtClean="0"/>
-              <a:t>11/14/2018</a:t>
+              <a:t>11/15/2018</a:t>
             </a:fld>
             <a:endParaRPr lang="en-US"/>
           </a:p>
@@ -5362,7 +5362,7 @@
           <a:p>
             <a:fld id="{1D8BD707-D9CF-40AE-B4C6-C98DA3205C09}" type="datetimeFigureOut">
               <a:rPr lang="en-US" smtClean="0"/>
-              <a:t>11/14/2018</a:t>
+              <a:t>11/15/2018</a:t>
             </a:fld>
             <a:endParaRPr lang="en-US"/>
           </a:p>
@@ -5908,7 +5908,7 @@
         </p:blipFill>
         <p:spPr>
           <a:xfrm>
-            <a:off x="1143000" y="895350"/>
+            <a:off x="1295400" y="1095532"/>
             <a:ext cx="7239000" cy="1247618"/>
           </a:xfrm>
           <a:prstGeom prst="rect">
